--- a/2015_Presentations/10_October/beasley-scug-shiny-2015-10.pptx
+++ b/2015_Presentations/10_October/beasley-scug-shiny-2015-10.pptx
@@ -12,6 +12,7 @@
     <p:sldId id="269" r:id="rId6"/>
     <p:sldId id="270" r:id="rId7"/>
     <p:sldId id="271" r:id="rId8"/>
+    <p:sldId id="272" r:id="rId9"/>
   </p:sldIdLst>
   <p:sldSz cx="12192000" cy="6858000"/>
   <p:notesSz cx="6858000" cy="9144000"/>
@@ -3663,7 +3664,6 @@
               <a:rPr lang="en-US" dirty="0"/>
               <a:t>http://shiny.ouhsc.edu/SdtThreshold/</a:t>
             </a:r>
-            <a:endParaRPr lang="en-US" dirty="0"/>
           </a:p>
         </p:txBody>
       </p:sp>
@@ -3817,6 +3817,130 @@
     <p:extLst>
       <p:ext uri="{BB962C8B-B14F-4D97-AF65-F5344CB8AC3E}">
         <p14:creationId xmlns:p14="http://schemas.microsoft.com/office/powerpoint/2010/main" val="2745522139"/>
+      </p:ext>
+    </p:extLst>
+  </p:cSld>
+  <p:clrMapOvr>
+    <a:masterClrMapping/>
+  </p:clrMapOvr>
+  <p:timing>
+    <p:tnLst>
+      <p:par>
+        <p:cTn id="1" dur="indefinite" restart="never" nodeType="tmRoot"/>
+      </p:par>
+    </p:tnLst>
+  </p:timing>
+</p:sld>
+</file>
+
+<file path=ppt/slides/slide8.xml><?xml version="1.0" encoding="utf-8"?>
+<p:sld xmlns:a="http://schemas.openxmlformats.org/drawingml/2006/main" xmlns:r="http://schemas.openxmlformats.org/officeDocument/2006/relationships" xmlns:p="http://schemas.openxmlformats.org/presentationml/2006/main">
+  <p:cSld>
+    <p:spTree>
+      <p:nvGrpSpPr>
+        <p:cNvPr id="1" name=""/>
+        <p:cNvGrpSpPr/>
+        <p:nvPr/>
+      </p:nvGrpSpPr>
+      <p:grpSpPr>
+        <a:xfrm>
+          <a:off x="0" y="0"/>
+          <a:ext cx="0" cy="0"/>
+          <a:chOff x="0" y="0"/>
+          <a:chExt cx="0" cy="0"/>
+        </a:xfrm>
+      </p:grpSpPr>
+      <p:sp>
+        <p:nvSpPr>
+          <p:cNvPr id="2" name="Title 1"/>
+          <p:cNvSpPr>
+            <a:spLocks noGrp="1"/>
+          </p:cNvSpPr>
+          <p:nvPr>
+            <p:ph type="title"/>
+          </p:nvPr>
+        </p:nvSpPr>
+        <p:spPr>
+          <a:xfrm>
+            <a:off x="0" y="1275550"/>
+            <a:ext cx="12192000" cy="3258029"/>
+          </a:xfrm>
+          <a:solidFill>
+            <a:schemeClr val="bg1"/>
+          </a:solidFill>
+        </p:spPr>
+        <p:txBody>
+          <a:bodyPr>
+            <a:normAutofit/>
+          </a:bodyPr>
+          <a:lstStyle/>
+          <a:p>
+            <a:pPr algn="ctr"/>
+            <a:r>
+              <a:rPr lang="en-US" dirty="0" smtClean="0"/>
+              <a:t>Return to </a:t>
+            </a:r>
+            <a:r>
+              <a:rPr lang="en-US" dirty="0" smtClean="0">
+                <a:hlinkClick r:id="rId2"/>
+              </a:rPr>
+              <a:t>Slides of Code</a:t>
+            </a:r>
+            <a:r>
+              <a:rPr lang="en-US" dirty="0" smtClean="0"/>
+              <a:t/>
+            </a:r>
+            <a:br>
+              <a:rPr lang="en-US" dirty="0" smtClean="0"/>
+            </a:br>
+            <a:r>
+              <a:rPr lang="en-US" dirty="0"/>
+              <a:t/>
+            </a:r>
+            <a:br>
+              <a:rPr lang="en-US" dirty="0"/>
+            </a:br>
+            <a:r>
+              <a:rPr lang="en-US" dirty="0"/>
+              <a:t/>
+            </a:r>
+            <a:br>
+              <a:rPr lang="en-US" dirty="0"/>
+            </a:br>
+            <a:r>
+              <a:rPr lang="en-US" sz="1600" dirty="0" smtClean="0"/>
+              <a:t>(</a:t>
+            </a:r>
+            <a:r>
+              <a:rPr lang="en-US" sz="1600" dirty="0" smtClean="0">
+                <a:hlinkClick r:id="rId2"/>
+              </a:rPr>
+              <a:t>https</a:t>
+            </a:r>
+            <a:r>
+              <a:rPr lang="en-US" sz="1600" dirty="0">
+                <a:hlinkClick r:id="rId2"/>
+              </a:rPr>
+              <a:t>://rawgit.com/OuhscBbmc/StatisticalComputing/master/2015_Presentations/10_October/beasley-scug-shiny-2015-10.html</a:t>
+            </a:r>
+            <a:r>
+              <a:rPr lang="en-US" sz="1600" dirty="0" smtClean="0">
+                <a:hlinkClick r:id="rId2"/>
+              </a:rPr>
+              <a:t>#/</a:t>
+            </a:r>
+            <a:r>
+              <a:rPr lang="en-US" sz="1600" dirty="0" smtClean="0"/>
+              <a:t>)</a:t>
+            </a:r>
+            <a:endParaRPr lang="en-US" sz="1600" dirty="0"/>
+          </a:p>
+        </p:txBody>
+      </p:sp>
+    </p:spTree>
+    <p:extLst>
+      <p:ext uri="{BB962C8B-B14F-4D97-AF65-F5344CB8AC3E}">
+        <p14:creationId xmlns:p14="http://schemas.microsoft.com/office/powerpoint/2010/main" val="4213833772"/>
       </p:ext>
     </p:extLst>
   </p:cSld>
